--- a/Catholic Charities Presentation.pptx
+++ b/Catholic Charities Presentation.pptx
@@ -3538,555 +3538,6 @@
 </p:sldLayout>
 </file>
 
-<file path=ppt/slideLayouts/slideLayout10.xml><?xml version="1.0" encoding="utf-8"?>
-<p:sldLayout xmlns:a="http://schemas.openxmlformats.org/drawingml/2006/main" xmlns:r="http://schemas.openxmlformats.org/officeDocument/2006/relationships" xmlns:p="http://schemas.openxmlformats.org/presentationml/2006/main" type="vertTx" preserve="1">
-  <p:cSld name="Title and Vertical Text">
-    <p:spTree>
-      <p:nvGrpSpPr>
-        <p:cNvPr id="1" name=""/>
-        <p:cNvGrpSpPr/>
-        <p:nvPr/>
-      </p:nvGrpSpPr>
-      <p:grpSpPr>
-        <a:xfrm>
-          <a:off x="0" y="0"/>
-          <a:ext cx="0" cy="0"/>
-          <a:chOff x="0" y="0"/>
-          <a:chExt cx="0" cy="0"/>
-        </a:xfrm>
-      </p:grpSpPr>
-      <p:sp>
-        <p:nvSpPr>
-          <p:cNvPr id="2" name="Title 1"/>
-          <p:cNvSpPr>
-            <a:spLocks noGrp="1"/>
-          </p:cNvSpPr>
-          <p:nvPr>
-            <p:ph type="title"/>
-          </p:nvPr>
-        </p:nvSpPr>
-        <p:spPr/>
-        <p:txBody>
-          <a:bodyPr/>
-          <a:lstStyle/>
-          <a:p>
-            <a:r>
-              <a:rPr lang="en-US"/>
-              <a:t>Click to edit Master title style</a:t>
-            </a:r>
-          </a:p>
-        </p:txBody>
-      </p:sp>
-      <p:sp>
-        <p:nvSpPr>
-          <p:cNvPr id="3" name="Vertical Text Placeholder 2"/>
-          <p:cNvSpPr>
-            <a:spLocks noGrp="1"/>
-          </p:cNvSpPr>
-          <p:nvPr>
-            <p:ph type="body" orient="vert" idx="1"/>
-          </p:nvPr>
-        </p:nvSpPr>
-        <p:spPr/>
-        <p:txBody>
-          <a:bodyPr vert="eaVert"/>
-          <a:lstStyle/>
-          <a:p>
-            <a:pPr lvl="0"/>
-            <a:r>
-              <a:rPr lang="en-US"/>
-              <a:t>Click to edit Master text styles</a:t>
-            </a:r>
-          </a:p>
-          <a:p>
-            <a:pPr lvl="1"/>
-            <a:r>
-              <a:rPr lang="en-US"/>
-              <a:t>Second level</a:t>
-            </a:r>
-          </a:p>
-          <a:p>
-            <a:pPr lvl="2"/>
-            <a:r>
-              <a:rPr lang="en-US"/>
-              <a:t>Third level</a:t>
-            </a:r>
-          </a:p>
-          <a:p>
-            <a:pPr lvl="3"/>
-            <a:r>
-              <a:rPr lang="en-US"/>
-              <a:t>Fourth level</a:t>
-            </a:r>
-          </a:p>
-          <a:p>
-            <a:pPr lvl="4"/>
-            <a:r>
-              <a:rPr lang="en-US"/>
-              <a:t>Fifth level</a:t>
-            </a:r>
-          </a:p>
-        </p:txBody>
-      </p:sp>
-      <p:sp>
-        <p:nvSpPr>
-          <p:cNvPr id="4" name="Date Placeholder 3"/>
-          <p:cNvSpPr>
-            <a:spLocks noGrp="1"/>
-          </p:cNvSpPr>
-          <p:nvPr>
-            <p:ph type="dt" sz="half" idx="10"/>
-          </p:nvPr>
-        </p:nvSpPr>
-        <p:spPr/>
-        <p:txBody>
-          <a:bodyPr/>
-          <a:lstStyle/>
-          <a:p>
-            <a:fld id="{846CE7D5-CF57-46EF-B807-FDD0502418D4}" type="datetimeFigureOut">
-              <a:rPr lang="en-US" smtClean="0"/>
-              <a:t>4/8/25</a:t>
-            </a:fld>
-            <a:endParaRPr lang="en-US"/>
-          </a:p>
-        </p:txBody>
-      </p:sp>
-      <p:sp>
-        <p:nvSpPr>
-          <p:cNvPr id="5" name="Footer Placeholder 4"/>
-          <p:cNvSpPr>
-            <a:spLocks noGrp="1"/>
-          </p:cNvSpPr>
-          <p:nvPr>
-            <p:ph type="ftr" sz="quarter" idx="11"/>
-          </p:nvPr>
-        </p:nvSpPr>
-        <p:spPr/>
-        <p:txBody>
-          <a:bodyPr/>
-          <a:lstStyle/>
-          <a:p>
-            <a:endParaRPr lang="en-US"/>
-          </a:p>
-        </p:txBody>
-      </p:sp>
-      <p:sp>
-        <p:nvSpPr>
-          <p:cNvPr id="6" name="Slide Number Placeholder 5"/>
-          <p:cNvSpPr>
-            <a:spLocks noGrp="1"/>
-          </p:cNvSpPr>
-          <p:nvPr>
-            <p:ph type="sldNum" sz="quarter" idx="12"/>
-          </p:nvPr>
-        </p:nvSpPr>
-        <p:spPr/>
-        <p:txBody>
-          <a:bodyPr/>
-          <a:lstStyle/>
-          <a:p>
-            <a:fld id="{330EA680-D336-4FF7-8B7A-9848BB0A1C32}" type="slidenum">
-              <a:rPr lang="en-US" smtClean="0"/>
-              <a:t>‹#›</a:t>
-            </a:fld>
-            <a:endParaRPr lang="en-US"/>
-          </a:p>
-        </p:txBody>
-      </p:sp>
-    </p:spTree>
-    <p:extLst>
-      <p:ext uri="{BB962C8B-B14F-4D97-AF65-F5344CB8AC3E}">
-        <p14:creationId xmlns:p14="http://schemas.microsoft.com/office/powerpoint/2010/main" val="1298305101"/>
-      </p:ext>
-    </p:extLst>
-  </p:cSld>
-  <p:clrMapOvr>
-    <a:masterClrMapping/>
-  </p:clrMapOvr>
-</p:sldLayout>
-</file>
-
-<file path=ppt/slideLayouts/slideLayout11.xml><?xml version="1.0" encoding="utf-8"?>
-<p:sldLayout xmlns:a="http://schemas.openxmlformats.org/drawingml/2006/main" xmlns:r="http://schemas.openxmlformats.org/officeDocument/2006/relationships" xmlns:p="http://schemas.openxmlformats.org/presentationml/2006/main" showMasterSp="0" type="vertTitleAndTx" preserve="1">
-  <p:cSld name="Vertical Title and Text">
-    <p:spTree>
-      <p:nvGrpSpPr>
-        <p:cNvPr id="1" name=""/>
-        <p:cNvGrpSpPr/>
-        <p:nvPr/>
-      </p:nvGrpSpPr>
-      <p:grpSpPr>
-        <a:xfrm>
-          <a:off x="0" y="0"/>
-          <a:ext cx="0" cy="0"/>
-          <a:chOff x="0" y="0"/>
-          <a:chExt cx="0" cy="0"/>
-        </a:xfrm>
-      </p:grpSpPr>
-      <p:sp>
-        <p:nvSpPr>
-          <p:cNvPr id="2" name="Vertical Title 1"/>
-          <p:cNvSpPr>
-            <a:spLocks noGrp="1"/>
-          </p:cNvSpPr>
-          <p:nvPr>
-            <p:ph type="title" orient="vert"/>
-          </p:nvPr>
-        </p:nvSpPr>
-        <p:spPr>
-          <a:xfrm>
-            <a:off x="8724900" y="762000"/>
-            <a:ext cx="2628900" cy="5410200"/>
-          </a:xfrm>
-        </p:spPr>
-        <p:txBody>
-          <a:bodyPr vert="eaVert" lIns="45720" tIns="91440" rIns="45720" bIns="91440"/>
-          <a:lstStyle/>
-          <a:p>
-            <a:r>
-              <a:rPr lang="en-US"/>
-              <a:t>Click to edit Master title style</a:t>
-            </a:r>
-          </a:p>
-        </p:txBody>
-      </p:sp>
-      <p:sp>
-        <p:nvSpPr>
-          <p:cNvPr id="3" name="Vertical Text Placeholder 2"/>
-          <p:cNvSpPr>
-            <a:spLocks noGrp="1"/>
-          </p:cNvSpPr>
-          <p:nvPr>
-            <p:ph type="body" orient="vert" idx="1"/>
-          </p:nvPr>
-        </p:nvSpPr>
-        <p:spPr>
-          <a:xfrm>
-            <a:off x="990600" y="762000"/>
-            <a:ext cx="7581900" cy="5410200"/>
-          </a:xfrm>
-        </p:spPr>
-        <p:txBody>
-          <a:bodyPr vert="eaVert"/>
-          <a:lstStyle/>
-          <a:p>
-            <a:pPr lvl="0"/>
-            <a:r>
-              <a:rPr lang="en-US"/>
-              <a:t>Click to edit Master text styles</a:t>
-            </a:r>
-          </a:p>
-          <a:p>
-            <a:pPr lvl="1"/>
-            <a:r>
-              <a:rPr lang="en-US"/>
-              <a:t>Second level</a:t>
-            </a:r>
-          </a:p>
-          <a:p>
-            <a:pPr lvl="2"/>
-            <a:r>
-              <a:rPr lang="en-US"/>
-              <a:t>Third level</a:t>
-            </a:r>
-          </a:p>
-          <a:p>
-            <a:pPr lvl="3"/>
-            <a:r>
-              <a:rPr lang="en-US"/>
-              <a:t>Fourth level</a:t>
-            </a:r>
-          </a:p>
-          <a:p>
-            <a:pPr lvl="4"/>
-            <a:r>
-              <a:rPr lang="en-US"/>
-              <a:t>Fifth level</a:t>
-            </a:r>
-          </a:p>
-        </p:txBody>
-      </p:sp>
-      <p:sp>
-        <p:nvSpPr>
-          <p:cNvPr id="4" name="Date Placeholder 3"/>
-          <p:cNvSpPr>
-            <a:spLocks noGrp="1"/>
-          </p:cNvSpPr>
-          <p:nvPr>
-            <p:ph type="dt" sz="half" idx="10"/>
-          </p:nvPr>
-        </p:nvSpPr>
-        <p:spPr/>
-        <p:txBody>
-          <a:bodyPr/>
-          <a:lstStyle/>
-          <a:p>
-            <a:fld id="{846CE7D5-CF57-46EF-B807-FDD0502418D4}" type="datetimeFigureOut">
-              <a:rPr lang="en-US" smtClean="0"/>
-              <a:t>4/8/25</a:t>
-            </a:fld>
-            <a:endParaRPr lang="en-US"/>
-          </a:p>
-        </p:txBody>
-      </p:sp>
-      <p:sp>
-        <p:nvSpPr>
-          <p:cNvPr id="5" name="Footer Placeholder 4"/>
-          <p:cNvSpPr>
-            <a:spLocks noGrp="1"/>
-          </p:cNvSpPr>
-          <p:nvPr>
-            <p:ph type="ftr" sz="quarter" idx="11"/>
-          </p:nvPr>
-        </p:nvSpPr>
-        <p:spPr/>
-        <p:txBody>
-          <a:bodyPr/>
-          <a:lstStyle/>
-          <a:p>
-            <a:endParaRPr lang="en-US"/>
-          </a:p>
-        </p:txBody>
-      </p:sp>
-      <p:sp>
-        <p:nvSpPr>
-          <p:cNvPr id="6" name="Slide Number Placeholder 5"/>
-          <p:cNvSpPr>
-            <a:spLocks noGrp="1"/>
-          </p:cNvSpPr>
-          <p:nvPr>
-            <p:ph type="sldNum" sz="quarter" idx="12"/>
-          </p:nvPr>
-        </p:nvSpPr>
-        <p:spPr/>
-        <p:txBody>
-          <a:bodyPr/>
-          <a:lstStyle/>
-          <a:p>
-            <a:fld id="{330EA680-D336-4FF7-8B7A-9848BB0A1C32}" type="slidenum">
-              <a:rPr lang="en-US" smtClean="0"/>
-              <a:t>‹#›</a:t>
-            </a:fld>
-            <a:endParaRPr lang="en-US"/>
-          </a:p>
-        </p:txBody>
-      </p:sp>
-      <p:cxnSp>
-        <p:nvCxnSpPr>
-          <p:cNvPr id="7" name="Straight Connector 6"/>
-          <p:cNvCxnSpPr/>
-          <p:nvPr/>
-        </p:nvCxnSpPr>
-        <p:spPr>
-          <a:xfrm rot="5400000" flipV="1">
-            <a:off x="10058400" y="59263"/>
-            <a:ext cx="0" cy="914400"/>
-          </a:xfrm>
-          <a:prstGeom prst="line">
-            <a:avLst/>
-          </a:prstGeom>
-          <a:ln w="19050">
-            <a:solidFill>
-              <a:schemeClr val="accent2"/>
-            </a:solidFill>
-          </a:ln>
-        </p:spPr>
-        <p:style>
-          <a:lnRef idx="1">
-            <a:schemeClr val="accent1"/>
-          </a:lnRef>
-          <a:fillRef idx="0">
-            <a:schemeClr val="accent1"/>
-          </a:fillRef>
-          <a:effectRef idx="0">
-            <a:schemeClr val="accent1"/>
-          </a:effectRef>
-          <a:fontRef idx="minor">
-            <a:schemeClr val="tx1"/>
-          </a:fontRef>
-        </p:style>
-      </p:cxnSp>
-    </p:spTree>
-    <p:extLst>
-      <p:ext uri="{BB962C8B-B14F-4D97-AF65-F5344CB8AC3E}">
-        <p14:creationId xmlns:p14="http://schemas.microsoft.com/office/powerpoint/2010/main" val="3923536464"/>
-      </p:ext>
-    </p:extLst>
-  </p:cSld>
-  <p:clrMapOvr>
-    <a:masterClrMapping/>
-  </p:clrMapOvr>
-</p:sldLayout>
-</file>
-
-<file path=ppt/slideLayouts/slideLayout12.xml><?xml version="1.0" encoding="utf-8"?>
-<p:sldLayout xmlns:a="http://schemas.openxmlformats.org/drawingml/2006/main" xmlns:r="http://schemas.openxmlformats.org/officeDocument/2006/relationships" xmlns:p="http://schemas.openxmlformats.org/presentationml/2006/main" type="obj" preserve="1">
-  <p:cSld name="1_Title and Content">
-    <p:spTree>
-      <p:nvGrpSpPr>
-        <p:cNvPr id="1" name=""/>
-        <p:cNvGrpSpPr/>
-        <p:nvPr/>
-      </p:nvGrpSpPr>
-      <p:grpSpPr>
-        <a:xfrm>
-          <a:off x="0" y="0"/>
-          <a:ext cx="0" cy="0"/>
-          <a:chOff x="0" y="0"/>
-          <a:chExt cx="0" cy="0"/>
-        </a:xfrm>
-      </p:grpSpPr>
-      <p:sp>
-        <p:nvSpPr>
-          <p:cNvPr id="2" name="Title 1"/>
-          <p:cNvSpPr>
-            <a:spLocks noGrp="1"/>
-          </p:cNvSpPr>
-          <p:nvPr>
-            <p:ph type="title"/>
-          </p:nvPr>
-        </p:nvSpPr>
-        <p:spPr/>
-        <p:txBody>
-          <a:bodyPr/>
-          <a:lstStyle/>
-          <a:p>
-            <a:r>
-              <a:rPr lang="en-US"/>
-              <a:t>Click to edit Master title style</a:t>
-            </a:r>
-          </a:p>
-        </p:txBody>
-      </p:sp>
-      <p:sp>
-        <p:nvSpPr>
-          <p:cNvPr id="3" name="Content Placeholder 2"/>
-          <p:cNvSpPr>
-            <a:spLocks noGrp="1"/>
-          </p:cNvSpPr>
-          <p:nvPr>
-            <p:ph idx="1"/>
-          </p:nvPr>
-        </p:nvSpPr>
-        <p:spPr/>
-        <p:txBody>
-          <a:bodyPr/>
-          <a:lstStyle/>
-          <a:p>
-            <a:pPr lvl="0"/>
-            <a:r>
-              <a:rPr lang="en-US"/>
-              <a:t>Click to edit Master text styles</a:t>
-            </a:r>
-          </a:p>
-          <a:p>
-            <a:pPr lvl="1"/>
-            <a:r>
-              <a:rPr lang="en-US"/>
-              <a:t>Second level</a:t>
-            </a:r>
-          </a:p>
-          <a:p>
-            <a:pPr lvl="2"/>
-            <a:r>
-              <a:rPr lang="en-US"/>
-              <a:t>Third level</a:t>
-            </a:r>
-          </a:p>
-          <a:p>
-            <a:pPr lvl="3"/>
-            <a:r>
-              <a:rPr lang="en-US"/>
-              <a:t>Fourth level</a:t>
-            </a:r>
-          </a:p>
-          <a:p>
-            <a:pPr lvl="4"/>
-            <a:r>
-              <a:rPr lang="en-US"/>
-              <a:t>Fifth level</a:t>
-            </a:r>
-          </a:p>
-        </p:txBody>
-      </p:sp>
-      <p:sp>
-        <p:nvSpPr>
-          <p:cNvPr id="4" name="Date Placeholder 3"/>
-          <p:cNvSpPr>
-            <a:spLocks noGrp="1"/>
-          </p:cNvSpPr>
-          <p:nvPr>
-            <p:ph type="dt" sz="half" idx="10"/>
-          </p:nvPr>
-        </p:nvSpPr>
-        <p:spPr/>
-        <p:txBody>
-          <a:bodyPr/>
-          <a:lstStyle/>
-          <a:p>
-            <a:fld id="{846CE7D5-CF57-46EF-B807-FDD0502418D4}" type="datetimeFigureOut">
-              <a:rPr lang="en-US" smtClean="0"/>
-              <a:t>4/8/25</a:t>
-            </a:fld>
-            <a:endParaRPr lang="en-US"/>
-          </a:p>
-        </p:txBody>
-      </p:sp>
-      <p:sp>
-        <p:nvSpPr>
-          <p:cNvPr id="5" name="Footer Placeholder 4"/>
-          <p:cNvSpPr>
-            <a:spLocks noGrp="1"/>
-          </p:cNvSpPr>
-          <p:nvPr>
-            <p:ph type="ftr" sz="quarter" idx="11"/>
-          </p:nvPr>
-        </p:nvSpPr>
-        <p:spPr/>
-        <p:txBody>
-          <a:bodyPr/>
-          <a:lstStyle/>
-          <a:p>
-            <a:endParaRPr lang="en-US"/>
-          </a:p>
-        </p:txBody>
-      </p:sp>
-      <p:sp>
-        <p:nvSpPr>
-          <p:cNvPr id="6" name="Slide Number Placeholder 5"/>
-          <p:cNvSpPr>
-            <a:spLocks noGrp="1"/>
-          </p:cNvSpPr>
-          <p:nvPr>
-            <p:ph type="sldNum" sz="quarter" idx="12"/>
-          </p:nvPr>
-        </p:nvSpPr>
-        <p:spPr/>
-        <p:txBody>
-          <a:bodyPr/>
-          <a:lstStyle/>
-          <a:p>
-            <a:fld id="{330EA680-D336-4FF7-8B7A-9848BB0A1C32}" type="slidenum">
-              <a:rPr lang="en-US" smtClean="0"/>
-              <a:t>‹#›</a:t>
-            </a:fld>
-            <a:endParaRPr lang="en-US"/>
-          </a:p>
-        </p:txBody>
-      </p:sp>
-    </p:spTree>
-    <p:extLst>
-      <p:ext uri="{BB962C8B-B14F-4D97-AF65-F5344CB8AC3E}">
-        <p14:creationId xmlns:p14="http://schemas.microsoft.com/office/powerpoint/2010/main" val="1204059852"/>
-      </p:ext>
-    </p:extLst>
-  </p:cSld>
-  <p:clrMapOvr>
-    <a:masterClrMapping/>
-  </p:clrMapOvr>
-</p:sldLayout>
-</file>
-
 <file path=ppt/slideLayouts/slideLayout2.xml><?xml version="1.0" encoding="utf-8"?>
 <p:sldLayout xmlns:a="http://schemas.openxmlformats.org/drawingml/2006/main" xmlns:r="http://schemas.openxmlformats.org/officeDocument/2006/relationships" xmlns:p="http://schemas.openxmlformats.org/presentationml/2006/main" type="obj" preserve="1">
   <p:cSld name="Title and Content">
@@ -4256,335 +3707,6 @@
 </file>
 
 <file path=ppt/slideLayouts/slideLayout3.xml><?xml version="1.0" encoding="utf-8"?>
-<p:sldLayout xmlns:a="http://schemas.openxmlformats.org/drawingml/2006/main" xmlns:r="http://schemas.openxmlformats.org/officeDocument/2006/relationships" xmlns:p="http://schemas.openxmlformats.org/presentationml/2006/main" showMasterSp="0" type="secHead" preserve="1">
-  <p:cSld name="Section Header">
-    <p:spTree>
-      <p:nvGrpSpPr>
-        <p:cNvPr id="1" name=""/>
-        <p:cNvGrpSpPr/>
-        <p:nvPr/>
-      </p:nvGrpSpPr>
-      <p:grpSpPr>
-        <a:xfrm>
-          <a:off x="0" y="0"/>
-          <a:ext cx="0" cy="0"/>
-          <a:chOff x="0" y="0"/>
-          <a:chExt cx="0" cy="0"/>
-        </a:xfrm>
-      </p:grpSpPr>
-      <p:sp>
-        <p:nvSpPr>
-          <p:cNvPr id="7" name="Rectangle 6"/>
-          <p:cNvSpPr/>
-          <p:nvPr/>
-        </p:nvSpPr>
-        <p:spPr>
-          <a:xfrm>
-            <a:off x="0" y="-1"/>
-            <a:ext cx="12192000" cy="4572000"/>
-          </a:xfrm>
-          <a:prstGeom prst="rect">
-            <a:avLst/>
-          </a:prstGeom>
-          <a:solidFill>
-            <a:schemeClr val="accent3"/>
-          </a:solidFill>
-          <a:ln>
-            <a:noFill/>
-          </a:ln>
-        </p:spPr>
-        <p:style>
-          <a:lnRef idx="2">
-            <a:schemeClr val="accent1">
-              <a:shade val="50000"/>
-            </a:schemeClr>
-          </a:lnRef>
-          <a:fillRef idx="1">
-            <a:schemeClr val="accent1"/>
-          </a:fillRef>
-          <a:effectRef idx="0">
-            <a:schemeClr val="accent1"/>
-          </a:effectRef>
-          <a:fontRef idx="minor">
-            <a:schemeClr val="lt1"/>
-          </a:fontRef>
-        </p:style>
-      </p:sp>
-      <p:sp>
-        <p:nvSpPr>
-          <p:cNvPr id="2" name="Title 1"/>
-          <p:cNvSpPr>
-            <a:spLocks noGrp="1"/>
-          </p:cNvSpPr>
-          <p:nvPr>
-            <p:ph type="title"/>
-          </p:nvPr>
-        </p:nvSpPr>
-        <p:spPr>
-          <a:xfrm>
-            <a:off x="457200" y="4960137"/>
-            <a:ext cx="7772400" cy="1463040"/>
-          </a:xfrm>
-        </p:spPr>
-        <p:txBody>
-          <a:bodyPr anchor="ctr">
-            <a:normAutofit/>
-          </a:bodyPr>
-          <a:lstStyle>
-            <a:lvl1pPr algn="r">
-              <a:defRPr sz="5000" b="0" spc="200" baseline="0"/>
-            </a:lvl1pPr>
-          </a:lstStyle>
-          <a:p>
-            <a:r>
-              <a:rPr lang="en-US"/>
-              <a:t>Click to edit Master title style</a:t>
-            </a:r>
-          </a:p>
-        </p:txBody>
-      </p:sp>
-      <p:sp>
-        <p:nvSpPr>
-          <p:cNvPr id="3" name="Text Placeholder 2"/>
-          <p:cNvSpPr>
-            <a:spLocks noGrp="1"/>
-          </p:cNvSpPr>
-          <p:nvPr>
-            <p:ph type="body" idx="1"/>
-          </p:nvPr>
-        </p:nvSpPr>
-        <p:spPr>
-          <a:xfrm>
-            <a:off x="8610600" y="4960137"/>
-            <a:ext cx="3200400" cy="1463040"/>
-          </a:xfrm>
-        </p:spPr>
-        <p:txBody>
-          <a:bodyPr lIns="91440" rIns="91440" anchor="ctr">
-            <a:normAutofit/>
-          </a:bodyPr>
-          <a:lstStyle>
-            <a:lvl1pPr marL="0" indent="0">
-              <a:lnSpc>
-                <a:spcPct val="100000"/>
-              </a:lnSpc>
-              <a:spcBef>
-                <a:spcPts val="0"/>
-              </a:spcBef>
-              <a:buNone/>
-              <a:defRPr sz="1800">
-                <a:solidFill>
-                  <a:schemeClr val="tx1">
-                    <a:lumMod val="90000"/>
-                    <a:lumOff val="10000"/>
-                  </a:schemeClr>
-                </a:solidFill>
-              </a:defRPr>
-            </a:lvl1pPr>
-            <a:lvl2pPr marL="457200" indent="0">
-              <a:buNone/>
-              <a:defRPr sz="1800">
-                <a:solidFill>
-                  <a:schemeClr val="tx1">
-                    <a:tint val="75000"/>
-                  </a:schemeClr>
-                </a:solidFill>
-              </a:defRPr>
-            </a:lvl2pPr>
-            <a:lvl3pPr marL="914400" indent="0">
-              <a:buNone/>
-              <a:defRPr sz="1600">
-                <a:solidFill>
-                  <a:schemeClr val="tx1">
-                    <a:tint val="75000"/>
-                  </a:schemeClr>
-                </a:solidFill>
-              </a:defRPr>
-            </a:lvl3pPr>
-            <a:lvl4pPr marL="1371600" indent="0">
-              <a:buNone/>
-              <a:defRPr sz="1400">
-                <a:solidFill>
-                  <a:schemeClr val="tx1">
-                    <a:tint val="75000"/>
-                  </a:schemeClr>
-                </a:solidFill>
-              </a:defRPr>
-            </a:lvl4pPr>
-            <a:lvl5pPr marL="1828800" indent="0">
-              <a:buNone/>
-              <a:defRPr sz="1400">
-                <a:solidFill>
-                  <a:schemeClr val="tx1">
-                    <a:tint val="75000"/>
-                  </a:schemeClr>
-                </a:solidFill>
-              </a:defRPr>
-            </a:lvl5pPr>
-            <a:lvl6pPr marL="2286000" indent="0">
-              <a:buNone/>
-              <a:defRPr sz="1400">
-                <a:solidFill>
-                  <a:schemeClr val="tx1">
-                    <a:tint val="75000"/>
-                  </a:schemeClr>
-                </a:solidFill>
-              </a:defRPr>
-            </a:lvl6pPr>
-            <a:lvl7pPr marL="2743200" indent="0">
-              <a:buNone/>
-              <a:defRPr sz="1400">
-                <a:solidFill>
-                  <a:schemeClr val="tx1">
-                    <a:tint val="75000"/>
-                  </a:schemeClr>
-                </a:solidFill>
-              </a:defRPr>
-            </a:lvl7pPr>
-            <a:lvl8pPr marL="3200400" indent="0">
-              <a:buNone/>
-              <a:defRPr sz="1400">
-                <a:solidFill>
-                  <a:schemeClr val="tx1">
-                    <a:tint val="75000"/>
-                  </a:schemeClr>
-                </a:solidFill>
-              </a:defRPr>
-            </a:lvl8pPr>
-            <a:lvl9pPr marL="3657600" indent="0">
-              <a:buNone/>
-              <a:defRPr sz="1400">
-                <a:solidFill>
-                  <a:schemeClr val="tx1">
-                    <a:tint val="75000"/>
-                  </a:schemeClr>
-                </a:solidFill>
-              </a:defRPr>
-            </a:lvl9pPr>
-          </a:lstStyle>
-          <a:p>
-            <a:pPr lvl="0"/>
-            <a:r>
-              <a:rPr lang="en-US"/>
-              <a:t>Click to edit Master text styles</a:t>
-            </a:r>
-          </a:p>
-        </p:txBody>
-      </p:sp>
-      <p:sp>
-        <p:nvSpPr>
-          <p:cNvPr id="4" name="Date Placeholder 3"/>
-          <p:cNvSpPr>
-            <a:spLocks noGrp="1"/>
-          </p:cNvSpPr>
-          <p:nvPr>
-            <p:ph type="dt" sz="half" idx="10"/>
-          </p:nvPr>
-        </p:nvSpPr>
-        <p:spPr/>
-        <p:txBody>
-          <a:bodyPr/>
-          <a:lstStyle/>
-          <a:p>
-            <a:fld id="{846CE7D5-CF57-46EF-B807-FDD0502418D4}" type="datetimeFigureOut">
-              <a:rPr lang="en-US" smtClean="0"/>
-              <a:t>4/8/25</a:t>
-            </a:fld>
-            <a:endParaRPr lang="en-US"/>
-          </a:p>
-        </p:txBody>
-      </p:sp>
-      <p:sp>
-        <p:nvSpPr>
-          <p:cNvPr id="5" name="Footer Placeholder 4"/>
-          <p:cNvSpPr>
-            <a:spLocks noGrp="1"/>
-          </p:cNvSpPr>
-          <p:nvPr>
-            <p:ph type="ftr" sz="quarter" idx="11"/>
-          </p:nvPr>
-        </p:nvSpPr>
-        <p:spPr/>
-        <p:txBody>
-          <a:bodyPr/>
-          <a:lstStyle/>
-          <a:p>
-            <a:endParaRPr lang="en-US"/>
-          </a:p>
-        </p:txBody>
-      </p:sp>
-      <p:sp>
-        <p:nvSpPr>
-          <p:cNvPr id="6" name="Slide Number Placeholder 5"/>
-          <p:cNvSpPr>
-            <a:spLocks noGrp="1"/>
-          </p:cNvSpPr>
-          <p:nvPr>
-            <p:ph type="sldNum" sz="quarter" idx="12"/>
-          </p:nvPr>
-        </p:nvSpPr>
-        <p:spPr/>
-        <p:txBody>
-          <a:bodyPr/>
-          <a:lstStyle/>
-          <a:p>
-            <a:fld id="{330EA680-D336-4FF7-8B7A-9848BB0A1C32}" type="slidenum">
-              <a:rPr lang="en-US" smtClean="0"/>
-              <a:t>‹#›</a:t>
-            </a:fld>
-            <a:endParaRPr lang="en-US"/>
-          </a:p>
-        </p:txBody>
-      </p:sp>
-      <p:cxnSp>
-        <p:nvCxnSpPr>
-          <p:cNvPr id="8" name="Straight Connector 7"/>
-          <p:cNvCxnSpPr/>
-          <p:nvPr/>
-        </p:nvCxnSpPr>
-        <p:spPr>
-          <a:xfrm flipV="1">
-            <a:off x="8386842" y="5264106"/>
-            <a:ext cx="0" cy="914400"/>
-          </a:xfrm>
-          <a:prstGeom prst="line">
-            <a:avLst/>
-          </a:prstGeom>
-          <a:ln w="19050">
-            <a:solidFill>
-              <a:schemeClr val="accent3"/>
-            </a:solidFill>
-          </a:ln>
-        </p:spPr>
-        <p:style>
-          <a:lnRef idx="1">
-            <a:schemeClr val="accent1"/>
-          </a:lnRef>
-          <a:fillRef idx="0">
-            <a:schemeClr val="accent1"/>
-          </a:fillRef>
-          <a:effectRef idx="0">
-            <a:schemeClr val="accent1"/>
-          </a:effectRef>
-          <a:fontRef idx="minor">
-            <a:schemeClr val="tx1"/>
-          </a:fontRef>
-        </p:style>
-      </p:cxnSp>
-    </p:spTree>
-    <p:extLst>
-      <p:ext uri="{BB962C8B-B14F-4D97-AF65-F5344CB8AC3E}">
-        <p14:creationId xmlns:p14="http://schemas.microsoft.com/office/powerpoint/2010/main" val="2939577283"/>
-      </p:ext>
-    </p:extLst>
-  </p:cSld>
-  <p:clrMapOvr>
-    <a:masterClrMapping/>
-  </p:clrMapOvr>
-</p:sldLayout>
-</file>
-
-<file path=ppt/slideLayouts/slideLayout4.xml><?xml version="1.0" encoding="utf-8"?>
 <p:sldLayout xmlns:a="http://schemas.openxmlformats.org/drawingml/2006/main" xmlns:r="http://schemas.openxmlformats.org/officeDocument/2006/relationships" xmlns:p="http://schemas.openxmlformats.org/presentationml/2006/main" type="twoObj" preserve="1">
   <p:cSld name="Two Content">
     <p:spTree>
@@ -4823,7 +3945,7 @@
 </p:sldLayout>
 </file>
 
-<file path=ppt/slideLayouts/slideLayout5.xml><?xml version="1.0" encoding="utf-8"?>
+<file path=ppt/slideLayouts/slideLayout4.xml><?xml version="1.0" encoding="utf-8"?>
 <p:sldLayout xmlns:a="http://schemas.openxmlformats.org/drawingml/2006/main" xmlns:r="http://schemas.openxmlformats.org/officeDocument/2006/relationships" xmlns:p="http://schemas.openxmlformats.org/presentationml/2006/main" type="twoTxTwoObj" preserve="1">
   <p:cSld name="Comparison">
     <p:spTree>
@@ -5227,124 +4349,7 @@
 </p:sldLayout>
 </file>
 
-<file path=ppt/slideLayouts/slideLayout6.xml><?xml version="1.0" encoding="utf-8"?>
-<p:sldLayout xmlns:a="http://schemas.openxmlformats.org/drawingml/2006/main" xmlns:r="http://schemas.openxmlformats.org/officeDocument/2006/relationships" xmlns:p="http://schemas.openxmlformats.org/presentationml/2006/main" type="titleOnly" preserve="1">
-  <p:cSld name="Title Only">
-    <p:spTree>
-      <p:nvGrpSpPr>
-        <p:cNvPr id="1" name=""/>
-        <p:cNvGrpSpPr/>
-        <p:nvPr/>
-      </p:nvGrpSpPr>
-      <p:grpSpPr>
-        <a:xfrm>
-          <a:off x="0" y="0"/>
-          <a:ext cx="0" cy="0"/>
-          <a:chOff x="0" y="0"/>
-          <a:chExt cx="0" cy="0"/>
-        </a:xfrm>
-      </p:grpSpPr>
-      <p:sp>
-        <p:nvSpPr>
-          <p:cNvPr id="2" name="Title 1"/>
-          <p:cNvSpPr>
-            <a:spLocks noGrp="1"/>
-          </p:cNvSpPr>
-          <p:nvPr>
-            <p:ph type="title"/>
-          </p:nvPr>
-        </p:nvSpPr>
-        <p:spPr/>
-        <p:txBody>
-          <a:bodyPr/>
-          <a:lstStyle/>
-          <a:p>
-            <a:r>
-              <a:rPr lang="en-US"/>
-              <a:t>Click to edit Master title style</a:t>
-            </a:r>
-          </a:p>
-        </p:txBody>
-      </p:sp>
-      <p:sp>
-        <p:nvSpPr>
-          <p:cNvPr id="3" name="Date Placeholder 2"/>
-          <p:cNvSpPr>
-            <a:spLocks noGrp="1"/>
-          </p:cNvSpPr>
-          <p:nvPr>
-            <p:ph type="dt" sz="half" idx="10"/>
-          </p:nvPr>
-        </p:nvSpPr>
-        <p:spPr/>
-        <p:txBody>
-          <a:bodyPr/>
-          <a:lstStyle/>
-          <a:p>
-            <a:fld id="{846CE7D5-CF57-46EF-B807-FDD0502418D4}" type="datetimeFigureOut">
-              <a:rPr lang="en-US" smtClean="0"/>
-              <a:t>4/8/25</a:t>
-            </a:fld>
-            <a:endParaRPr lang="en-US"/>
-          </a:p>
-        </p:txBody>
-      </p:sp>
-      <p:sp>
-        <p:nvSpPr>
-          <p:cNvPr id="4" name="Footer Placeholder 3"/>
-          <p:cNvSpPr>
-            <a:spLocks noGrp="1"/>
-          </p:cNvSpPr>
-          <p:nvPr>
-            <p:ph type="ftr" sz="quarter" idx="11"/>
-          </p:nvPr>
-        </p:nvSpPr>
-        <p:spPr/>
-        <p:txBody>
-          <a:bodyPr/>
-          <a:lstStyle/>
-          <a:p>
-            <a:endParaRPr lang="en-US"/>
-          </a:p>
-        </p:txBody>
-      </p:sp>
-      <p:sp>
-        <p:nvSpPr>
-          <p:cNvPr id="5" name="Slide Number Placeholder 4"/>
-          <p:cNvSpPr>
-            <a:spLocks noGrp="1"/>
-          </p:cNvSpPr>
-          <p:nvPr>
-            <p:ph type="sldNum" sz="quarter" idx="12"/>
-          </p:nvPr>
-        </p:nvSpPr>
-        <p:spPr/>
-        <p:txBody>
-          <a:bodyPr/>
-          <a:lstStyle/>
-          <a:p>
-            <a:fld id="{330EA680-D336-4FF7-8B7A-9848BB0A1C32}" type="slidenum">
-              <a:rPr lang="en-US" smtClean="0"/>
-              <a:t>‹#›</a:t>
-            </a:fld>
-            <a:endParaRPr lang="en-US"/>
-          </a:p>
-        </p:txBody>
-      </p:sp>
-    </p:spTree>
-    <p:extLst>
-      <p:ext uri="{BB962C8B-B14F-4D97-AF65-F5344CB8AC3E}">
-        <p14:creationId xmlns:p14="http://schemas.microsoft.com/office/powerpoint/2010/main" val="2204444699"/>
-      </p:ext>
-    </p:extLst>
-  </p:cSld>
-  <p:clrMapOvr>
-    <a:masterClrMapping/>
-  </p:clrMapOvr>
-</p:sldLayout>
-</file>
-
-<file path=ppt/slideLayouts/slideLayout7.xml><?xml version="1.0" encoding="utf-8"?>
+<file path=ppt/slideLayouts/slideLayout5.xml><?xml version="1.0" encoding="utf-8"?>
 <p:sldLayout xmlns:a="http://schemas.openxmlformats.org/drawingml/2006/main" xmlns:r="http://schemas.openxmlformats.org/officeDocument/2006/relationships" xmlns:p="http://schemas.openxmlformats.org/presentationml/2006/main" showMasterSp="0" type="blank" preserve="1">
   <p:cSld name="Blank">
     <p:spTree>
@@ -5430,612 +4435,6 @@
     <p:extLst>
       <p:ext uri="{BB962C8B-B14F-4D97-AF65-F5344CB8AC3E}">
         <p14:creationId xmlns:p14="http://schemas.microsoft.com/office/powerpoint/2010/main" val="1078088887"/>
-      </p:ext>
-    </p:extLst>
-  </p:cSld>
-  <p:clrMapOvr>
-    <a:masterClrMapping/>
-  </p:clrMapOvr>
-</p:sldLayout>
-</file>
-
-<file path=ppt/slideLayouts/slideLayout8.xml><?xml version="1.0" encoding="utf-8"?>
-<p:sldLayout xmlns:a="http://schemas.openxmlformats.org/drawingml/2006/main" xmlns:r="http://schemas.openxmlformats.org/officeDocument/2006/relationships" xmlns:p="http://schemas.openxmlformats.org/presentationml/2006/main" type="objTx" preserve="1">
-  <p:cSld name="Content with Caption">
-    <p:spTree>
-      <p:nvGrpSpPr>
-        <p:cNvPr id="1" name=""/>
-        <p:cNvGrpSpPr/>
-        <p:nvPr/>
-      </p:nvGrpSpPr>
-      <p:grpSpPr>
-        <a:xfrm>
-          <a:off x="0" y="0"/>
-          <a:ext cx="0" cy="0"/>
-          <a:chOff x="0" y="0"/>
-          <a:chExt cx="0" cy="0"/>
-        </a:xfrm>
-      </p:grpSpPr>
-      <p:sp>
-        <p:nvSpPr>
-          <p:cNvPr id="8" name="Title 7"/>
-          <p:cNvSpPr>
-            <a:spLocks noGrp="1"/>
-          </p:cNvSpPr>
-          <p:nvPr>
-            <p:ph type="title"/>
-          </p:nvPr>
-        </p:nvSpPr>
-        <p:spPr>
-          <a:xfrm>
-            <a:off x="1024128" y="471509"/>
-            <a:ext cx="4389120" cy="1737360"/>
-          </a:xfrm>
-        </p:spPr>
-        <p:txBody>
-          <a:bodyPr>
-            <a:noAutofit/>
-          </a:bodyPr>
-          <a:lstStyle>
-            <a:lvl1pPr>
-              <a:lnSpc>
-                <a:spcPct val="80000"/>
-              </a:lnSpc>
-              <a:defRPr sz="4000"/>
-            </a:lvl1pPr>
-          </a:lstStyle>
-          <a:p>
-            <a:r>
-              <a:rPr lang="en-US"/>
-              <a:t>Click to edit Master title style</a:t>
-            </a:r>
-          </a:p>
-        </p:txBody>
-      </p:sp>
-      <p:sp>
-        <p:nvSpPr>
-          <p:cNvPr id="3" name="Content Placeholder 2"/>
-          <p:cNvSpPr>
-            <a:spLocks noGrp="1"/>
-          </p:cNvSpPr>
-          <p:nvPr>
-            <p:ph idx="1"/>
-          </p:nvPr>
-        </p:nvSpPr>
-        <p:spPr>
-          <a:xfrm>
-            <a:off x="5715000" y="822960"/>
-            <a:ext cx="5678424" cy="5184648"/>
-          </a:xfrm>
-        </p:spPr>
-        <p:txBody>
-          <a:bodyPr/>
-          <a:lstStyle>
-            <a:lvl1pPr>
-              <a:defRPr sz="2400"/>
-            </a:lvl1pPr>
-            <a:lvl2pPr>
-              <a:defRPr sz="2000"/>
-            </a:lvl2pPr>
-            <a:lvl3pPr>
-              <a:defRPr sz="1600"/>
-            </a:lvl3pPr>
-            <a:lvl4pPr>
-              <a:defRPr sz="1600"/>
-            </a:lvl4pPr>
-            <a:lvl5pPr>
-              <a:defRPr sz="1600"/>
-            </a:lvl5pPr>
-            <a:lvl6pPr>
-              <a:defRPr sz="1600"/>
-            </a:lvl6pPr>
-            <a:lvl7pPr>
-              <a:defRPr sz="1600"/>
-            </a:lvl7pPr>
-            <a:lvl8pPr>
-              <a:defRPr sz="1600"/>
-            </a:lvl8pPr>
-            <a:lvl9pPr>
-              <a:defRPr sz="1600"/>
-            </a:lvl9pPr>
-          </a:lstStyle>
-          <a:p>
-            <a:pPr lvl="0"/>
-            <a:r>
-              <a:rPr lang="en-US"/>
-              <a:t>Click to edit Master text styles</a:t>
-            </a:r>
-          </a:p>
-          <a:p>
-            <a:pPr lvl="1"/>
-            <a:r>
-              <a:rPr lang="en-US"/>
-              <a:t>Second level</a:t>
-            </a:r>
-          </a:p>
-          <a:p>
-            <a:pPr lvl="2"/>
-            <a:r>
-              <a:rPr lang="en-US"/>
-              <a:t>Third level</a:t>
-            </a:r>
-          </a:p>
-          <a:p>
-            <a:pPr lvl="3"/>
-            <a:r>
-              <a:rPr lang="en-US"/>
-              <a:t>Fourth level</a:t>
-            </a:r>
-          </a:p>
-          <a:p>
-            <a:pPr lvl="4"/>
-            <a:r>
-              <a:rPr lang="en-US"/>
-              <a:t>Fifth level</a:t>
-            </a:r>
-          </a:p>
-        </p:txBody>
-      </p:sp>
-      <p:sp>
-        <p:nvSpPr>
-          <p:cNvPr id="4" name="Text Placeholder 3"/>
-          <p:cNvSpPr>
-            <a:spLocks noGrp="1"/>
-          </p:cNvSpPr>
-          <p:nvPr>
-            <p:ph type="body" sz="half" idx="2"/>
-          </p:nvPr>
-        </p:nvSpPr>
-        <p:spPr>
-          <a:xfrm>
-            <a:off x="1024128" y="2257506"/>
-            <a:ext cx="4389120" cy="3762294"/>
-          </a:xfrm>
-        </p:spPr>
-        <p:txBody>
-          <a:bodyPr lIns="91440" rIns="91440">
-            <a:normAutofit/>
-          </a:bodyPr>
-          <a:lstStyle>
-            <a:lvl1pPr marL="0" indent="0">
-              <a:lnSpc>
-                <a:spcPct val="108000"/>
-              </a:lnSpc>
-              <a:spcBef>
-                <a:spcPts val="600"/>
-              </a:spcBef>
-              <a:buNone/>
-              <a:defRPr sz="1600"/>
-            </a:lvl1pPr>
-            <a:lvl2pPr marL="457200" indent="0">
-              <a:buNone/>
-              <a:defRPr sz="1200"/>
-            </a:lvl2pPr>
-            <a:lvl3pPr marL="914400" indent="0">
-              <a:buNone/>
-              <a:defRPr sz="1000"/>
-            </a:lvl3pPr>
-            <a:lvl4pPr marL="1371600" indent="0">
-              <a:buNone/>
-              <a:defRPr sz="900"/>
-            </a:lvl4pPr>
-            <a:lvl5pPr marL="1828800" indent="0">
-              <a:buNone/>
-              <a:defRPr sz="900"/>
-            </a:lvl5pPr>
-            <a:lvl6pPr marL="2286000" indent="0">
-              <a:buNone/>
-              <a:defRPr sz="900"/>
-            </a:lvl6pPr>
-            <a:lvl7pPr marL="2743200" indent="0">
-              <a:buNone/>
-              <a:defRPr sz="900"/>
-            </a:lvl7pPr>
-            <a:lvl8pPr marL="3200400" indent="0">
-              <a:buNone/>
-              <a:defRPr sz="900"/>
-            </a:lvl8pPr>
-            <a:lvl9pPr marL="3657600" indent="0">
-              <a:buNone/>
-              <a:defRPr sz="900"/>
-            </a:lvl9pPr>
-          </a:lstStyle>
-          <a:p>
-            <a:pPr lvl="0"/>
-            <a:r>
-              <a:rPr lang="en-US"/>
-              <a:t>Click to edit Master text styles</a:t>
-            </a:r>
-          </a:p>
-        </p:txBody>
-      </p:sp>
-      <p:sp>
-        <p:nvSpPr>
-          <p:cNvPr id="5" name="Date Placeholder 4"/>
-          <p:cNvSpPr>
-            <a:spLocks noGrp="1"/>
-          </p:cNvSpPr>
-          <p:nvPr>
-            <p:ph type="dt" sz="half" idx="10"/>
-          </p:nvPr>
-        </p:nvSpPr>
-        <p:spPr/>
-        <p:txBody>
-          <a:bodyPr/>
-          <a:lstStyle/>
-          <a:p>
-            <a:fld id="{846CE7D5-CF57-46EF-B807-FDD0502418D4}" type="datetimeFigureOut">
-              <a:rPr lang="en-US" smtClean="0"/>
-              <a:t>4/8/25</a:t>
-            </a:fld>
-            <a:endParaRPr lang="en-US"/>
-          </a:p>
-        </p:txBody>
-      </p:sp>
-      <p:sp>
-        <p:nvSpPr>
-          <p:cNvPr id="6" name="Footer Placeholder 5"/>
-          <p:cNvSpPr>
-            <a:spLocks noGrp="1"/>
-          </p:cNvSpPr>
-          <p:nvPr>
-            <p:ph type="ftr" sz="quarter" idx="11"/>
-          </p:nvPr>
-        </p:nvSpPr>
-        <p:spPr/>
-        <p:txBody>
-          <a:bodyPr/>
-          <a:lstStyle/>
-          <a:p>
-            <a:endParaRPr lang="en-US"/>
-          </a:p>
-        </p:txBody>
-      </p:sp>
-      <p:sp>
-        <p:nvSpPr>
-          <p:cNvPr id="7" name="Slide Number Placeholder 6"/>
-          <p:cNvSpPr>
-            <a:spLocks noGrp="1"/>
-          </p:cNvSpPr>
-          <p:nvPr>
-            <p:ph type="sldNum" sz="quarter" idx="12"/>
-          </p:nvPr>
-        </p:nvSpPr>
-        <p:spPr/>
-        <p:txBody>
-          <a:bodyPr/>
-          <a:lstStyle/>
-          <a:p>
-            <a:fld id="{330EA680-D336-4FF7-8B7A-9848BB0A1C32}" type="slidenum">
-              <a:rPr lang="en-US" smtClean="0"/>
-              <a:t>‹#›</a:t>
-            </a:fld>
-            <a:endParaRPr lang="en-US"/>
-          </a:p>
-        </p:txBody>
-      </p:sp>
-    </p:spTree>
-    <p:extLst>
-      <p:ext uri="{BB962C8B-B14F-4D97-AF65-F5344CB8AC3E}">
-        <p14:creationId xmlns:p14="http://schemas.microsoft.com/office/powerpoint/2010/main" val="1787675043"/>
-      </p:ext>
-    </p:extLst>
-  </p:cSld>
-  <p:clrMapOvr>
-    <a:masterClrMapping/>
-  </p:clrMapOvr>
-  <p:extLst>
-    <p:ext uri="{DCECCB84-F9BA-43D5-87BE-67443E8EF086}">
-      <p15:sldGuideLst xmlns:p15="http://schemas.microsoft.com/office/powerpoint/2012/main"/>
-    </p:ext>
-  </p:extLst>
-</p:sldLayout>
-</file>
-
-<file path=ppt/slideLayouts/slideLayout9.xml><?xml version="1.0" encoding="utf-8"?>
-<p:sldLayout xmlns:a="http://schemas.openxmlformats.org/drawingml/2006/main" xmlns:r="http://schemas.openxmlformats.org/officeDocument/2006/relationships" xmlns:p="http://schemas.openxmlformats.org/presentationml/2006/main" showMasterSp="0" type="picTx" preserve="1">
-  <p:cSld name="Picture with Caption">
-    <p:spTree>
-      <p:nvGrpSpPr>
-        <p:cNvPr id="1" name=""/>
-        <p:cNvGrpSpPr/>
-        <p:nvPr/>
-      </p:nvGrpSpPr>
-      <p:grpSpPr>
-        <a:xfrm>
-          <a:off x="0" y="0"/>
-          <a:ext cx="0" cy="0"/>
-          <a:chOff x="0" y="0"/>
-          <a:chExt cx="0" cy="0"/>
-        </a:xfrm>
-      </p:grpSpPr>
-      <p:sp>
-        <p:nvSpPr>
-          <p:cNvPr id="2" name="Title 1"/>
-          <p:cNvSpPr>
-            <a:spLocks noGrp="1"/>
-          </p:cNvSpPr>
-          <p:nvPr>
-            <p:ph type="title"/>
-          </p:nvPr>
-        </p:nvSpPr>
-        <p:spPr>
-          <a:xfrm>
-            <a:off x="457200" y="4960138"/>
-            <a:ext cx="7772400" cy="1463040"/>
-          </a:xfrm>
-        </p:spPr>
-        <p:txBody>
-          <a:bodyPr anchor="ctr">
-            <a:normAutofit/>
-          </a:bodyPr>
-          <a:lstStyle>
-            <a:lvl1pPr algn="r">
-              <a:defRPr sz="5000" spc="200" baseline="0"/>
-            </a:lvl1pPr>
-          </a:lstStyle>
-          <a:p>
-            <a:r>
-              <a:rPr lang="en-US"/>
-              <a:t>Click to edit Master title style</a:t>
-            </a:r>
-          </a:p>
-        </p:txBody>
-      </p:sp>
-      <p:sp>
-        <p:nvSpPr>
-          <p:cNvPr id="3" name="Picture Placeholder 2"/>
-          <p:cNvSpPr>
-            <a:spLocks noGrp="1" noChangeAspect="1"/>
-          </p:cNvSpPr>
-          <p:nvPr>
-            <p:ph type="pic" idx="1"/>
-          </p:nvPr>
-        </p:nvSpPr>
-        <p:spPr>
-          <a:xfrm>
-            <a:off x="0" y="-1"/>
-            <a:ext cx="12188952" cy="4572000"/>
-          </a:xfrm>
-          <a:solidFill>
-            <a:schemeClr val="accent2">
-              <a:lumMod val="60000"/>
-              <a:lumOff val="40000"/>
-            </a:schemeClr>
-          </a:solidFill>
-        </p:spPr>
-        <p:txBody>
-          <a:bodyPr lIns="457200" tIns="365760" rIns="45720" bIns="45720" anchor="t"/>
-          <a:lstStyle>
-            <a:lvl1pPr marL="0" indent="0">
-              <a:buNone/>
-              <a:defRPr sz="3200"/>
-            </a:lvl1pPr>
-            <a:lvl2pPr marL="457200" indent="0">
-              <a:buNone/>
-              <a:defRPr sz="2800"/>
-            </a:lvl2pPr>
-            <a:lvl3pPr marL="914400" indent="0">
-              <a:buNone/>
-              <a:defRPr sz="2400"/>
-            </a:lvl3pPr>
-            <a:lvl4pPr marL="1371600" indent="0">
-              <a:buNone/>
-              <a:defRPr sz="2000"/>
-            </a:lvl4pPr>
-            <a:lvl5pPr marL="1828800" indent="0">
-              <a:buNone/>
-              <a:defRPr sz="2000"/>
-            </a:lvl5pPr>
-            <a:lvl6pPr marL="2286000" indent="0">
-              <a:buNone/>
-              <a:defRPr sz="2000"/>
-            </a:lvl6pPr>
-            <a:lvl7pPr marL="2743200" indent="0">
-              <a:buNone/>
-              <a:defRPr sz="2000"/>
-            </a:lvl7pPr>
-            <a:lvl8pPr marL="3200400" indent="0">
-              <a:buNone/>
-              <a:defRPr sz="2000"/>
-            </a:lvl8pPr>
-            <a:lvl9pPr marL="3657600" indent="0">
-              <a:buNone/>
-              <a:defRPr sz="2000"/>
-            </a:lvl9pPr>
-          </a:lstStyle>
-          <a:p>
-            <a:r>
-              <a:rPr lang="en-US"/>
-              <a:t>Click icon to add picture</a:t>
-            </a:r>
-          </a:p>
-        </p:txBody>
-      </p:sp>
-      <p:sp>
-        <p:nvSpPr>
-          <p:cNvPr id="4" name="Text Placeholder 3"/>
-          <p:cNvSpPr>
-            <a:spLocks noGrp="1"/>
-          </p:cNvSpPr>
-          <p:nvPr>
-            <p:ph type="body" sz="half" idx="2"/>
-          </p:nvPr>
-        </p:nvSpPr>
-        <p:spPr>
-          <a:xfrm>
-            <a:off x="8610600" y="4960138"/>
-            <a:ext cx="3200400" cy="1463040"/>
-          </a:xfrm>
-        </p:spPr>
-        <p:txBody>
-          <a:bodyPr lIns="91440" rIns="91440" anchor="ctr">
-            <a:normAutofit/>
-          </a:bodyPr>
-          <a:lstStyle>
-            <a:lvl1pPr marL="0" indent="0">
-              <a:lnSpc>
-                <a:spcPct val="100000"/>
-              </a:lnSpc>
-              <a:spcBef>
-                <a:spcPts val="0"/>
-              </a:spcBef>
-              <a:buNone/>
-              <a:defRPr sz="1800">
-                <a:solidFill>
-                  <a:schemeClr val="tx1">
-                    <a:lumMod val="90000"/>
-                    <a:lumOff val="10000"/>
-                  </a:schemeClr>
-                </a:solidFill>
-              </a:defRPr>
-            </a:lvl1pPr>
-            <a:lvl2pPr marL="457200" indent="0">
-              <a:buNone/>
-              <a:defRPr sz="1400"/>
-            </a:lvl2pPr>
-            <a:lvl3pPr marL="914400" indent="0">
-              <a:buNone/>
-              <a:defRPr sz="1200"/>
-            </a:lvl3pPr>
-            <a:lvl4pPr marL="1371600" indent="0">
-              <a:buNone/>
-              <a:defRPr sz="1000"/>
-            </a:lvl4pPr>
-            <a:lvl5pPr marL="1828800" indent="0">
-              <a:buNone/>
-              <a:defRPr sz="1000"/>
-            </a:lvl5pPr>
-            <a:lvl6pPr marL="2286000" indent="0">
-              <a:buNone/>
-              <a:defRPr sz="1000"/>
-            </a:lvl6pPr>
-            <a:lvl7pPr marL="2743200" indent="0">
-              <a:buNone/>
-              <a:defRPr sz="1000"/>
-            </a:lvl7pPr>
-            <a:lvl8pPr marL="3200400" indent="0">
-              <a:buNone/>
-              <a:defRPr sz="1000"/>
-            </a:lvl8pPr>
-            <a:lvl9pPr marL="3657600" indent="0">
-              <a:buNone/>
-              <a:defRPr sz="1000"/>
-            </a:lvl9pPr>
-          </a:lstStyle>
-          <a:p>
-            <a:pPr lvl="0"/>
-            <a:r>
-              <a:rPr lang="en-US"/>
-              <a:t>Click to edit Master text styles</a:t>
-            </a:r>
-          </a:p>
-        </p:txBody>
-      </p:sp>
-      <p:sp>
-        <p:nvSpPr>
-          <p:cNvPr id="5" name="Date Placeholder 4"/>
-          <p:cNvSpPr>
-            <a:spLocks noGrp="1"/>
-          </p:cNvSpPr>
-          <p:nvPr>
-            <p:ph type="dt" sz="half" idx="10"/>
-          </p:nvPr>
-        </p:nvSpPr>
-        <p:spPr/>
-        <p:txBody>
-          <a:bodyPr/>
-          <a:lstStyle/>
-          <a:p>
-            <a:fld id="{846CE7D5-CF57-46EF-B807-FDD0502418D4}" type="datetimeFigureOut">
-              <a:rPr lang="en-US" smtClean="0"/>
-              <a:t>4/8/25</a:t>
-            </a:fld>
-            <a:endParaRPr lang="en-US"/>
-          </a:p>
-        </p:txBody>
-      </p:sp>
-      <p:sp>
-        <p:nvSpPr>
-          <p:cNvPr id="6" name="Footer Placeholder 5"/>
-          <p:cNvSpPr>
-            <a:spLocks noGrp="1"/>
-          </p:cNvSpPr>
-          <p:nvPr>
-            <p:ph type="ftr" sz="quarter" idx="11"/>
-          </p:nvPr>
-        </p:nvSpPr>
-        <p:spPr/>
-        <p:txBody>
-          <a:bodyPr/>
-          <a:lstStyle/>
-          <a:p>
-            <a:endParaRPr lang="en-US"/>
-          </a:p>
-        </p:txBody>
-      </p:sp>
-      <p:sp>
-        <p:nvSpPr>
-          <p:cNvPr id="7" name="Slide Number Placeholder 6"/>
-          <p:cNvSpPr>
-            <a:spLocks noGrp="1"/>
-          </p:cNvSpPr>
-          <p:nvPr>
-            <p:ph type="sldNum" sz="quarter" idx="12"/>
-          </p:nvPr>
-        </p:nvSpPr>
-        <p:spPr/>
-        <p:txBody>
-          <a:bodyPr/>
-          <a:lstStyle/>
-          <a:p>
-            <a:fld id="{330EA680-D336-4FF7-8B7A-9848BB0A1C32}" type="slidenum">
-              <a:rPr lang="en-US" smtClean="0"/>
-              <a:t>‹#›</a:t>
-            </a:fld>
-            <a:endParaRPr lang="en-US"/>
-          </a:p>
-        </p:txBody>
-      </p:sp>
-      <p:cxnSp>
-        <p:nvCxnSpPr>
-          <p:cNvPr id="9" name="Straight Connector 8"/>
-          <p:cNvCxnSpPr/>
-          <p:nvPr/>
-        </p:nvCxnSpPr>
-        <p:spPr>
-          <a:xfrm flipV="1">
-            <a:off x="8386842" y="5264106"/>
-            <a:ext cx="0" cy="914400"/>
-          </a:xfrm>
-          <a:prstGeom prst="line">
-            <a:avLst/>
-          </a:prstGeom>
-          <a:ln w="19050">
-            <a:solidFill>
-              <a:schemeClr val="accent2"/>
-            </a:solidFill>
-          </a:ln>
-        </p:spPr>
-        <p:style>
-          <a:lnRef idx="1">
-            <a:schemeClr val="accent1"/>
-          </a:lnRef>
-          <a:fillRef idx="0">
-            <a:schemeClr val="accent1"/>
-          </a:fillRef>
-          <a:effectRef idx="0">
-            <a:schemeClr val="accent1"/>
-          </a:effectRef>
-          <a:fontRef idx="minor">
-            <a:schemeClr val="tx1"/>
-          </a:fontRef>
-        </p:style>
-      </p:cxnSp>
-    </p:spTree>
-    <p:extLst>
-      <p:ext uri="{BB962C8B-B14F-4D97-AF65-F5344CB8AC3E}">
-        <p14:creationId xmlns:p14="http://schemas.microsoft.com/office/powerpoint/2010/main" val="307585052"/>
       </p:ext>
     </p:extLst>
   </p:cSld>
@@ -6331,16 +4730,9 @@
   <p:sldLayoutIdLst>
     <p:sldLayoutId id="2147484270" r:id="rId1"/>
     <p:sldLayoutId id="2147484271" r:id="rId2"/>
-    <p:sldLayoutId id="2147484272" r:id="rId3"/>
-    <p:sldLayoutId id="2147484273" r:id="rId4"/>
-    <p:sldLayoutId id="2147484274" r:id="rId5"/>
-    <p:sldLayoutId id="2147484275" r:id="rId6"/>
-    <p:sldLayoutId id="2147484276" r:id="rId7"/>
-    <p:sldLayoutId id="2147484277" r:id="rId8"/>
-    <p:sldLayoutId id="2147484278" r:id="rId9"/>
-    <p:sldLayoutId id="2147484279" r:id="rId10"/>
-    <p:sldLayoutId id="2147484280" r:id="rId11"/>
-    <p:sldLayoutId id="2147484281" r:id="rId12"/>
+    <p:sldLayoutId id="2147484273" r:id="rId3"/>
+    <p:sldLayoutId id="2147484274" r:id="rId4"/>
+    <p:sldLayoutId id="2147484276" r:id="rId5"/>
   </p:sldLayoutIdLst>
   <p:txStyles>
     <p:titleStyle>
@@ -17665,8 +16057,8 @@
         </p:nvSpPr>
         <p:spPr>
           <a:xfrm>
-            <a:off x="2643909" y="207819"/>
-            <a:ext cx="3809999" cy="1749135"/>
+            <a:off x="7384476" y="2135998"/>
+            <a:ext cx="3783396" cy="2192692"/>
           </a:xfrm>
           <a:prstGeom prst="rect">
             <a:avLst/>
@@ -17694,42 +16086,42 @@
           <a:p>
             <a:pPr algn="ctr"/>
             <a:r>
-              <a:rPr lang="en-US"/>
+              <a:rPr lang="en-US" dirty="0"/>
               <a:t>Insights-</a:t>
             </a:r>
           </a:p>
           <a:p>
             <a:pPr algn="ctr"/>
             <a:r>
-              <a:rPr lang="en-US"/>
+              <a:rPr lang="en-US" dirty="0"/>
               <a:t>Education level </a:t>
             </a:r>
           </a:p>
           <a:p>
             <a:pPr algn="ctr"/>
             <a:r>
-              <a:rPr lang="en-US"/>
+              <a:rPr lang="en-US" dirty="0"/>
               <a:t>Minority</a:t>
             </a:r>
           </a:p>
           <a:p>
             <a:pPr algn="ctr"/>
             <a:r>
-              <a:rPr lang="en-US"/>
+              <a:rPr lang="en-US" dirty="0"/>
               <a:t>Attract female donors to donate more</a:t>
             </a:r>
           </a:p>
           <a:p>
             <a:pPr algn="ctr"/>
             <a:r>
-              <a:rPr lang="en-US"/>
+              <a:rPr lang="en-US" dirty="0"/>
               <a:t>Keep the male donors to keep donating</a:t>
             </a:r>
           </a:p>
           <a:p>
             <a:pPr algn="ctr"/>
             <a:r>
-              <a:rPr lang="en-US"/>
+              <a:rPr lang="en-US" dirty="0"/>
               <a:t>….</a:t>
             </a:r>
           </a:p>
